--- a/BucketLesson/Docs/מחלקות - המשך חזרה - מערך כתכונה.pptx
+++ b/BucketLesson/Docs/מחלקות - המשך חזרה - מערך כתכונה.pptx
@@ -5,10 +5,10 @@
     <p:sldMasterId id="2147483648" r:id="rId1"/>
   </p:sldMasterIdLst>
   <p:notesMasterIdLst>
-    <p:notesMasterId r:id="rId24"/>
+    <p:notesMasterId r:id="rId25"/>
   </p:notesMasterIdLst>
   <p:handoutMasterIdLst>
-    <p:handoutMasterId r:id="rId25"/>
+    <p:handoutMasterId r:id="rId26"/>
   </p:handoutMasterIdLst>
   <p:sldIdLst>
     <p:sldId id="265" r:id="rId2"/>
@@ -20,10 +20,10 @@
     <p:sldId id="336" r:id="rId8"/>
     <p:sldId id="321" r:id="rId9"/>
     <p:sldId id="337" r:id="rId10"/>
-    <p:sldId id="338" r:id="rId11"/>
-    <p:sldId id="340" r:id="rId12"/>
-    <p:sldId id="339" r:id="rId13"/>
-    <p:sldId id="341" r:id="rId14"/>
+    <p:sldId id="339" r:id="rId11"/>
+    <p:sldId id="341" r:id="rId12"/>
+    <p:sldId id="340" r:id="rId13"/>
+    <p:sldId id="338" r:id="rId14"/>
     <p:sldId id="342" r:id="rId15"/>
     <p:sldId id="343" r:id="rId16"/>
     <p:sldId id="344" r:id="rId17"/>
@@ -32,7 +32,8 @@
     <p:sldId id="347" r:id="rId20"/>
     <p:sldId id="348" r:id="rId21"/>
     <p:sldId id="349" r:id="rId22"/>
-    <p:sldId id="315" r:id="rId23"/>
+    <p:sldId id="350" r:id="rId23"/>
+    <p:sldId id="315" r:id="rId24"/>
   </p:sldIdLst>
   <p:sldSz cx="12192000" cy="6858000"/>
   <p:notesSz cx="6858000" cy="9144000"/>
@@ -172,7 +173,7 @@
 <file path=ppt/revisionInfo.xml><?xml version="1.0" encoding="utf-8"?>
 <p1510:revInfo xmlns:a="http://schemas.openxmlformats.org/drawingml/2006/main" xmlns:r="http://schemas.openxmlformats.org/officeDocument/2006/relationships" xmlns:p1510="http://schemas.microsoft.com/office/powerpoint/2015/10/main">
   <p1510:revLst>
-    <p1510:client id="{D94EB5FB-6679-48FA-9596-7C11AD4EBDD1}" v="175" dt="2024-04-28T09:45:55.902"/>
+    <p1510:client id="{D94EB5FB-6679-48FA-9596-7C11AD4EBDD1}" v="177" dt="2024-05-01T08:01:55.855"/>
   </p1510:revLst>
 </p1510:revInfo>
 </file>
@@ -221,7 +222,7 @@
   <pc:docChgLst>
     <pc:chgData name="Ofer Zadikario" userId="f36b4b4543f14e71" providerId="LiveId" clId="{D94EB5FB-6679-48FA-9596-7C11AD4EBDD1}"/>
     <pc:docChg chg="undo custSel addSld delSld modSld sldOrd">
-      <pc:chgData name="Ofer Zadikario" userId="f36b4b4543f14e71" providerId="LiveId" clId="{D94EB5FB-6679-48FA-9596-7C11AD4EBDD1}" dt="2024-04-28T09:49:02.917" v="1709" actId="20577"/>
+      <pc:chgData name="Ofer Zadikario" userId="f36b4b4543f14e71" providerId="LiveId" clId="{D94EB5FB-6679-48FA-9596-7C11AD4EBDD1}" dt="2024-05-01T08:02:10.432" v="1819" actId="1076"/>
       <pc:docMkLst>
         <pc:docMk/>
       </pc:docMkLst>
@@ -559,8 +560,8 @@
           </ac:picMkLst>
         </pc:picChg>
       </pc:sldChg>
-      <pc:sldChg chg="addSp delSp modSp add mod modAnim">
-        <pc:chgData name="Ofer Zadikario" userId="f36b4b4543f14e71" providerId="LiveId" clId="{D94EB5FB-6679-48FA-9596-7C11AD4EBDD1}" dt="2024-04-28T09:02:15.812" v="1147" actId="20577"/>
+      <pc:sldChg chg="addSp delSp modSp add mod ord modAnim">
+        <pc:chgData name="Ofer Zadikario" userId="f36b4b4543f14e71" providerId="LiveId" clId="{D94EB5FB-6679-48FA-9596-7C11AD4EBDD1}" dt="2024-05-01T07:53:27.675" v="1713"/>
         <pc:sldMkLst>
           <pc:docMk/>
           <pc:sldMk cId="1964514488" sldId="338"/>
@@ -629,8 +630,8 @@
           </ac:picMkLst>
         </pc:picChg>
       </pc:sldChg>
-      <pc:sldChg chg="addSp delSp modSp add mod delAnim modAnim">
-        <pc:chgData name="Ofer Zadikario" userId="f36b4b4543f14e71" providerId="LiveId" clId="{D94EB5FB-6679-48FA-9596-7C11AD4EBDD1}" dt="2024-04-28T09:02:59.176" v="1165"/>
+      <pc:sldChg chg="addSp delSp modSp add mod ord delAnim modAnim">
+        <pc:chgData name="Ofer Zadikario" userId="f36b4b4543f14e71" providerId="LiveId" clId="{D94EB5FB-6679-48FA-9596-7C11AD4EBDD1}" dt="2024-05-01T07:53:38.441" v="1715"/>
         <pc:sldMkLst>
           <pc:docMk/>
           <pc:sldMk cId="317359688" sldId="340"/>
@@ -1003,6 +1004,77 @@
           </ac:picMkLst>
         </pc:picChg>
       </pc:sldChg>
+      <pc:sldChg chg="addSp delSp modSp add mod ord">
+        <pc:chgData name="Ofer Zadikario" userId="f36b4b4543f14e71" providerId="LiveId" clId="{D94EB5FB-6679-48FA-9596-7C11AD4EBDD1}" dt="2024-05-01T08:02:10.432" v="1819" actId="1076"/>
+        <pc:sldMkLst>
+          <pc:docMk/>
+          <pc:sldMk cId="2148541398" sldId="350"/>
+        </pc:sldMkLst>
+        <pc:spChg chg="add del">
+          <ac:chgData name="Ofer Zadikario" userId="f36b4b4543f14e71" providerId="LiveId" clId="{D94EB5FB-6679-48FA-9596-7C11AD4EBDD1}" dt="2024-05-01T07:56:09.821" v="1769" actId="22"/>
+          <ac:spMkLst>
+            <pc:docMk/>
+            <pc:sldMk cId="2148541398" sldId="350"/>
+            <ac:spMk id="3" creationId="{EF811CDB-2F3F-1CF3-1DA8-9B3D5622A2C4}"/>
+          </ac:spMkLst>
+        </pc:spChg>
+        <pc:spChg chg="mod">
+          <ac:chgData name="Ofer Zadikario" userId="f36b4b4543f14e71" providerId="LiveId" clId="{D94EB5FB-6679-48FA-9596-7C11AD4EBDD1}" dt="2024-05-01T07:55:28.476" v="1766" actId="20577"/>
+          <ac:spMkLst>
+            <pc:docMk/>
+            <pc:sldMk cId="2148541398" sldId="350"/>
+            <ac:spMk id="10" creationId="{73B4565D-1CE1-4C01-9E9C-E590E8071E0D}"/>
+          </ac:spMkLst>
+        </pc:spChg>
+        <pc:spChg chg="add mod">
+          <ac:chgData name="Ofer Zadikario" userId="f36b4b4543f14e71" providerId="LiveId" clId="{D94EB5FB-6679-48FA-9596-7C11AD4EBDD1}" dt="2024-05-01T08:02:10.432" v="1819" actId="1076"/>
+          <ac:spMkLst>
+            <pc:docMk/>
+            <pc:sldMk cId="2148541398" sldId="350"/>
+            <ac:spMk id="13" creationId="{02A6196E-D8C4-BAB0-BA98-5D45BF7A3B9B}"/>
+          </ac:spMkLst>
+        </pc:spChg>
+        <pc:picChg chg="add del mod">
+          <ac:chgData name="Ofer Zadikario" userId="f36b4b4543f14e71" providerId="LiveId" clId="{D94EB5FB-6679-48FA-9596-7C11AD4EBDD1}" dt="2024-05-01T07:58:53.385" v="1773" actId="478"/>
+          <ac:picMkLst>
+            <pc:docMk/>
+            <pc:sldMk cId="2148541398" sldId="350"/>
+            <ac:picMk id="5" creationId="{46D243BF-4841-BF86-0EC9-79601587E728}"/>
+          </ac:picMkLst>
+        </pc:picChg>
+        <pc:picChg chg="del">
+          <ac:chgData name="Ofer Zadikario" userId="f36b4b4543f14e71" providerId="LiveId" clId="{D94EB5FB-6679-48FA-9596-7C11AD4EBDD1}" dt="2024-05-01T07:55:32.676" v="1767" actId="478"/>
+          <ac:picMkLst>
+            <pc:docMk/>
+            <pc:sldMk cId="2148541398" sldId="350"/>
+            <ac:picMk id="7" creationId="{CE9FD1AB-321F-20C0-A08A-06FB10DB3CEB}"/>
+          </ac:picMkLst>
+        </pc:picChg>
+        <pc:picChg chg="add mod">
+          <ac:chgData name="Ofer Zadikario" userId="f36b4b4543f14e71" providerId="LiveId" clId="{D94EB5FB-6679-48FA-9596-7C11AD4EBDD1}" dt="2024-05-01T07:58:59.491" v="1776" actId="1076"/>
+          <ac:picMkLst>
+            <pc:docMk/>
+            <pc:sldMk cId="2148541398" sldId="350"/>
+            <ac:picMk id="8" creationId="{E6B456D7-ECE9-EA03-8327-8EA226BADEFE}"/>
+          </ac:picMkLst>
+        </pc:picChg>
+        <pc:picChg chg="add mod">
+          <ac:chgData name="Ofer Zadikario" userId="f36b4b4543f14e71" providerId="LiveId" clId="{D94EB5FB-6679-48FA-9596-7C11AD4EBDD1}" dt="2024-05-01T07:59:23.508" v="1780" actId="1076"/>
+          <ac:picMkLst>
+            <pc:docMk/>
+            <pc:sldMk cId="2148541398" sldId="350"/>
+            <ac:picMk id="9" creationId="{E21441FD-73C9-5858-6FDA-10695F26C924}"/>
+          </ac:picMkLst>
+        </pc:picChg>
+        <pc:cxnChg chg="add mod">
+          <ac:chgData name="Ofer Zadikario" userId="f36b4b4543f14e71" providerId="LiveId" clId="{D94EB5FB-6679-48FA-9596-7C11AD4EBDD1}" dt="2024-05-01T08:00:09.209" v="1796" actId="692"/>
+          <ac:cxnSpMkLst>
+            <pc:docMk/>
+            <pc:sldMk cId="2148541398" sldId="350"/>
+            <ac:cxnSpMk id="12" creationId="{E38394F1-1825-563E-6432-2B2AFC14F8AC}"/>
+          </ac:cxnSpMkLst>
+        </pc:cxnChg>
+      </pc:sldChg>
     </pc:docChg>
   </pc:docChgLst>
 </pc:chgInfo>
@@ -1101,7 +1173,7 @@
                 <a:cs typeface="Tahoma" panose="020B0604030504040204" pitchFamily="34" charset="0"/>
               </a:rPr>
               <a:pPr algn="l" rtl="1"/>
-              <a:t>28 אפריל 24</a:t>
+              <a:t>01 מאי 24</a:t>
             </a:fld>
             <a:endParaRPr lang="he-IL" dirty="0">
               <a:latin typeface="Tahoma" panose="020B0604030504040204" pitchFamily="34" charset="0"/>
@@ -1323,7 +1395,7 @@
             <a:fld id="{C544EB51-7437-4ECB-8F53-BD138F55FBF7}" type="datetime8">
               <a:rPr lang="he-IL" smtClean="0"/>
               <a:pPr/>
-              <a:t>28 אפריל 24</a:t>
+              <a:t>01 מאי 24</a:t>
             </a:fld>
             <a:endParaRPr lang="he-IL" dirty="0"/>
           </a:p>
@@ -1772,7 +1844,7 @@
     </p:spTree>
     <p:extLst>
       <p:ext uri="{BB962C8B-B14F-4D97-AF65-F5344CB8AC3E}">
-        <p14:creationId xmlns:p14="http://schemas.microsoft.com/office/powerpoint/2010/main" val="3751746174"/>
+        <p14:creationId xmlns:p14="http://schemas.microsoft.com/office/powerpoint/2010/main" val="806992387"/>
       </p:ext>
     </p:extLst>
   </p:cSld>
@@ -1865,7 +1937,7 @@
     </p:spTree>
     <p:extLst>
       <p:ext uri="{BB962C8B-B14F-4D97-AF65-F5344CB8AC3E}">
-        <p14:creationId xmlns:p14="http://schemas.microsoft.com/office/powerpoint/2010/main" val="1326112773"/>
+        <p14:creationId xmlns:p14="http://schemas.microsoft.com/office/powerpoint/2010/main" val="2700032463"/>
       </p:ext>
     </p:extLst>
   </p:cSld>
@@ -1958,7 +2030,7 @@
     </p:spTree>
     <p:extLst>
       <p:ext uri="{BB962C8B-B14F-4D97-AF65-F5344CB8AC3E}">
-        <p14:creationId xmlns:p14="http://schemas.microsoft.com/office/powerpoint/2010/main" val="806992387"/>
+        <p14:creationId xmlns:p14="http://schemas.microsoft.com/office/powerpoint/2010/main" val="1326112773"/>
       </p:ext>
     </p:extLst>
   </p:cSld>
@@ -2051,7 +2123,7 @@
     </p:spTree>
     <p:extLst>
       <p:ext uri="{BB962C8B-B14F-4D97-AF65-F5344CB8AC3E}">
-        <p14:creationId xmlns:p14="http://schemas.microsoft.com/office/powerpoint/2010/main" val="2700032463"/>
+        <p14:creationId xmlns:p14="http://schemas.microsoft.com/office/powerpoint/2010/main" val="3751746174"/>
       </p:ext>
     </p:extLst>
   </p:cSld>
@@ -2929,6 +3001,99 @@
       </p:sp>
       <p:sp>
         <p:nvSpPr>
+          <p:cNvPr id="3" name="מציין מיקום הערות 2"/>
+          <p:cNvSpPr>
+            <a:spLocks noGrp="1"/>
+          </p:cNvSpPr>
+          <p:nvPr>
+            <p:ph type="body" idx="1"/>
+          </p:nvPr>
+        </p:nvSpPr>
+        <p:spPr/>
+        <p:txBody>
+          <a:bodyPr rtlCol="1"/>
+          <a:lstStyle/>
+          <a:p>
+            <a:pPr rtl="1"/>
+            <a:r>
+              <a:rPr lang="he-IL" noProof="0" dirty="0">
+                <a:latin typeface="Tahoma" panose="020B0604030504040204" pitchFamily="34" charset="0"/>
+                <a:ea typeface="Tahoma" panose="020B0604030504040204" pitchFamily="34" charset="0"/>
+                <a:cs typeface="Tahoma" panose="020B0604030504040204" pitchFamily="34" charset="0"/>
+              </a:rPr>
+              <a:t>עשוי לדרוש יותר משקופית אחת</a:t>
+            </a:r>
+          </a:p>
+        </p:txBody>
+      </p:sp>
+      <p:sp>
+        <p:nvSpPr>
+          <p:cNvPr id="4" name="מציין מיקום של מספר שקופית 3"/>
+          <p:cNvSpPr>
+            <a:spLocks noGrp="1"/>
+          </p:cNvSpPr>
+          <p:nvPr>
+            <p:ph type="sldNum" sz="quarter" idx="10"/>
+          </p:nvPr>
+        </p:nvSpPr>
+        <p:spPr/>
+        <p:txBody>
+          <a:bodyPr rtlCol="1"/>
+          <a:lstStyle/>
+          <a:p>
+            <a:pPr rtl="1"/>
+            <a:fld id="{7FB667E1-E601-4AAF-B95C-B25720D70A60}" type="slidenum">
+              <a:rPr lang="en-US" smtClean="0"/>
+              <a:t>22</a:t>
+            </a:fld>
+            <a:endParaRPr lang="en-US"/>
+          </a:p>
+        </p:txBody>
+      </p:sp>
+    </p:spTree>
+    <p:extLst>
+      <p:ext uri="{BB962C8B-B14F-4D97-AF65-F5344CB8AC3E}">
+        <p14:creationId xmlns:p14="http://schemas.microsoft.com/office/powerpoint/2010/main" val="3081709172"/>
+      </p:ext>
+    </p:extLst>
+  </p:cSld>
+  <p:clrMapOvr>
+    <a:masterClrMapping/>
+  </p:clrMapOvr>
+</p:notes>
+</file>
+
+<file path=ppt/notesSlides/notesSlide23.xml><?xml version="1.0" encoding="utf-8"?>
+<p:notes xmlns:a="http://schemas.openxmlformats.org/drawingml/2006/main" xmlns:r="http://schemas.openxmlformats.org/officeDocument/2006/relationships" xmlns:p="http://schemas.openxmlformats.org/presentationml/2006/main">
+  <p:cSld>
+    <p:spTree>
+      <p:nvGrpSpPr>
+        <p:cNvPr id="1" name=""/>
+        <p:cNvGrpSpPr/>
+        <p:nvPr/>
+      </p:nvGrpSpPr>
+      <p:grpSpPr>
+        <a:xfrm>
+          <a:off x="0" y="0"/>
+          <a:ext cx="0" cy="0"/>
+          <a:chOff x="0" y="0"/>
+          <a:chExt cx="0" cy="0"/>
+        </a:xfrm>
+      </p:grpSpPr>
+      <p:sp>
+        <p:nvSpPr>
+          <p:cNvPr id="2" name="מציין מיקום של תמונת שקופית 1"/>
+          <p:cNvSpPr>
+            <a:spLocks noGrp="1" noRot="1" noChangeAspect="1"/>
+          </p:cNvSpPr>
+          <p:nvPr>
+            <p:ph type="sldImg"/>
+          </p:nvPr>
+        </p:nvSpPr>
+        <p:spPr/>
+      </p:sp>
+      <p:sp>
+        <p:nvSpPr>
           <p:cNvPr id="3" name="מציין מיקום של הערות 2"/>
           <p:cNvSpPr>
             <a:spLocks noGrp="1"/>
@@ -2968,7 +3133,7 @@
             <a:pPr rtl="1"/>
             <a:fld id="{7FB667E1-E601-4AAF-B95C-B25720D70A60}" type="slidenum">
               <a:rPr lang="he-IL" smtClean="0"/>
-              <a:t>22</a:t>
+              <a:t>23</a:t>
             </a:fld>
             <a:endParaRPr lang="he-IL" dirty="0"/>
           </a:p>
@@ -4320,7 +4485,7 @@
             <a:fld id="{2174D080-DCA4-45D3-B2F8-95788556C7F5}" type="datetime8">
               <a:rPr lang="he-IL" smtClean="0"/>
               <a:pPr/>
-              <a:t>28 אפריל 24</a:t>
+              <a:t>01 מאי 24</a:t>
             </a:fld>
             <a:endParaRPr lang="he-IL" dirty="0"/>
           </a:p>
@@ -4730,7 +4895,7 @@
             <a:fld id="{B7D9574E-2143-4A91-B2C8-A980D1F6D781}" type="datetime8">
               <a:rPr lang="he-IL" smtClean="0"/>
               <a:pPr/>
-              <a:t>28 אפריל 24</a:t>
+              <a:t>01 מאי 24</a:t>
             </a:fld>
             <a:endParaRPr lang="he-IL" dirty="0"/>
           </a:p>
@@ -4935,7 +5100,7 @@
             <a:fld id="{06C4B962-D926-424B-AC00-FE1E0ECB640D}" type="datetime8">
               <a:rPr lang="he-IL" smtClean="0"/>
               <a:pPr/>
-              <a:t>28 אפריל 24</a:t>
+              <a:t>01 מאי 24</a:t>
             </a:fld>
             <a:endParaRPr lang="he-IL" dirty="0"/>
           </a:p>
@@ -5139,7 +5304,7 @@
             <a:fld id="{1FA57BC6-D13C-45A2-AF61-CB59F6BA3E10}" type="datetime8">
               <a:rPr lang="he-IL" smtClean="0"/>
               <a:pPr/>
-              <a:t>28 אפריל 24</a:t>
+              <a:t>01 מאי 24</a:t>
             </a:fld>
             <a:endParaRPr lang="he-IL" dirty="0"/>
           </a:p>
@@ -5337,7 +5502,7 @@
             <a:fld id="{FE218764-B9AD-4A05-A31E-84CE4FE50E8B}" type="datetime8">
               <a:rPr lang="he-IL" smtClean="0"/>
               <a:pPr/>
-              <a:t>28 אפריל 24</a:t>
+              <a:t>01 מאי 24</a:t>
             </a:fld>
             <a:endParaRPr lang="he-IL" dirty="0"/>
           </a:p>
@@ -5753,7 +5918,7 @@
             <a:fld id="{8A31EF28-7E3D-4A0D-8B1D-EAD0E195C731}" type="datetime8">
               <a:rPr lang="he-IL" smtClean="0"/>
               <a:pPr/>
-              <a:t>28 אפריל 24</a:t>
+              <a:t>01 מאי 24</a:t>
             </a:fld>
             <a:endParaRPr lang="he-IL" dirty="0"/>
           </a:p>
@@ -6053,7 +6218,7 @@
             <a:fld id="{CA1D98F7-BBB4-4642-B2F6-386FDE1B714A}" type="datetime8">
               <a:rPr lang="he-IL" smtClean="0"/>
               <a:pPr/>
-              <a:t>28 אפריל 24</a:t>
+              <a:t>01 מאי 24</a:t>
             </a:fld>
             <a:endParaRPr lang="he-IL" dirty="0"/>
           </a:p>
@@ -6377,7 +6542,7 @@
             <a:fld id="{41072186-3A27-43FD-BA50-C25F08521E08}" type="datetime8">
               <a:rPr lang="he-IL" smtClean="0"/>
               <a:pPr/>
-              <a:t>28 אפריל 24</a:t>
+              <a:t>01 מאי 24</a:t>
             </a:fld>
             <a:endParaRPr lang="he-IL" dirty="0"/>
           </a:p>
@@ -6834,7 +6999,7 @@
             <a:fld id="{8AB9AA41-A953-4132-9B44-4E0513AEC4FC}" type="datetime8">
               <a:rPr lang="he-IL" smtClean="0"/>
               <a:pPr/>
-              <a:t>28 אפריל 24</a:t>
+              <a:t>01 מאי 24</a:t>
             </a:fld>
             <a:endParaRPr lang="he-IL" dirty="0"/>
           </a:p>
@@ -6972,7 +7137,7 @@
             <a:fld id="{5FF1E4BA-5D86-457F-81D4-527350DD4C7A}" type="datetime8">
               <a:rPr lang="he-IL" smtClean="0"/>
               <a:pPr/>
-              <a:t>28 אפריל 24</a:t>
+              <a:t>01 מאי 24</a:t>
             </a:fld>
             <a:endParaRPr lang="he-IL" dirty="0"/>
           </a:p>
@@ -7099,7 +7264,7 @@
             <a:fld id="{2D48FB61-65B6-4A9E-8CC2-7814F08B8B2D}" type="datetime8">
               <a:rPr lang="he-IL" smtClean="0"/>
               <a:pPr algn="l"/>
-              <a:t>28 אפריל 24</a:t>
+              <a:t>01 מאי 24</a:t>
             </a:fld>
             <a:endParaRPr lang="he-IL" dirty="0"/>
           </a:p>
@@ -7413,7 +7578,7 @@
             <a:fld id="{221A13E8-9A85-485B-94B7-5D103837E152}" type="datetime8">
               <a:rPr lang="he-IL" smtClean="0"/>
               <a:pPr/>
-              <a:t>28 אפריל 24</a:t>
+              <a:t>01 מאי 24</a:t>
             </a:fld>
             <a:endParaRPr lang="he-IL" dirty="0"/>
           </a:p>
@@ -7809,7 +7974,7 @@
             <a:fld id="{E1A69999-6F67-4D06-AF2F-1AEEB328493D}" type="datetime8">
               <a:rPr lang="he-IL" smtClean="0"/>
               <a:pPr/>
-              <a:t>28 אפריל 24</a:t>
+              <a:t>01 מאי 24</a:t>
             </a:fld>
             <a:endParaRPr lang="he-IL" dirty="0"/>
           </a:p>
@@ -8417,7 +8582,7 @@
             <a:pPr algn="r"/>
             <a:r>
               <a:rPr lang="he-IL" dirty="0"/>
-              <a:t>הוספת דלי קיים למאגר:</a:t>
+              <a:t>הוצאה מהמאגר של הדלי הריק ביותר:</a:t>
             </a:r>
             <a:endParaRPr lang="en-US" dirty="0"/>
           </a:p>
@@ -8433,10 +8598,10 @@
       </p:sp>
       <p:pic>
         <p:nvPicPr>
-          <p:cNvPr id="5" name="Picture 4">
+          <p:cNvPr id="7" name="Picture 6">
             <a:extLst>
               <a:ext uri="{FF2B5EF4-FFF2-40B4-BE49-F238E27FC236}">
-                <a16:creationId xmlns:a16="http://schemas.microsoft.com/office/drawing/2014/main" id="{894C18E9-E8A3-1EE3-EC0B-3928C90946AD}"/>
+                <a16:creationId xmlns:a16="http://schemas.microsoft.com/office/drawing/2014/main" id="{A23F6215-3096-0D8F-63D0-AD56DBE70098}"/>
               </a:ext>
             </a:extLst>
           </p:cNvPr>
@@ -8453,8 +8618,8 @@
         </p:blipFill>
         <p:spPr>
           <a:xfrm>
-            <a:off x="3143672" y="2420888"/>
-            <a:ext cx="5439534" cy="2791215"/>
+            <a:off x="1559496" y="1484784"/>
+            <a:ext cx="3971707" cy="4797152"/>
           </a:xfrm>
           <a:prstGeom prst="rect">
             <a:avLst/>
@@ -8464,20 +8629,266 @@
     </p:spTree>
     <p:extLst>
       <p:ext uri="{BB962C8B-B14F-4D97-AF65-F5344CB8AC3E}">
-        <p14:creationId xmlns:p14="http://schemas.microsoft.com/office/powerpoint/2010/main" val="1964514488"/>
+        <p14:creationId xmlns:p14="http://schemas.microsoft.com/office/powerpoint/2010/main" val="679116491"/>
       </p:ext>
     </p:extLst>
   </p:cSld>
   <p:clrMapOvr>
     <a:masterClrMapping/>
   </p:clrMapOvr>
-  <mc:AlternateContent xmlns:mc="http://schemas.openxmlformats.org/markup-compatibility/2006">
-    <mc:Choice xmlns:p14="http://schemas.microsoft.com/office/powerpoint/2010/main" Requires="p14">
+  <mc:AlternateContent xmlns:mc="http://schemas.openxmlformats.org/markup-compatibility/2006" xmlns:p14="http://schemas.microsoft.com/office/powerpoint/2010/main">
+    <mc:Choice Requires="p14">
       <p:transition spd="med" p14:dur="700">
         <p:fade/>
       </p:transition>
     </mc:Choice>
-    <mc:Fallback>
+    <mc:Fallback xmlns="">
+      <p:transition spd="med">
+        <p:fade/>
+      </p:transition>
+    </mc:Fallback>
+  </mc:AlternateContent>
+  <p:timing>
+    <p:tnLst>
+      <p:par>
+        <p:cTn id="1" dur="indefinite" restart="never" nodeType="tmRoot">
+          <p:childTnLst>
+            <p:seq concurrent="1" nextAc="seek">
+              <p:cTn id="2" dur="indefinite" nodeType="mainSeq">
+                <p:childTnLst>
+                  <p:par>
+                    <p:cTn id="3" fill="hold">
+                      <p:stCondLst>
+                        <p:cond delay="indefinite"/>
+                      </p:stCondLst>
+                      <p:childTnLst>
+                        <p:par>
+                          <p:cTn id="4" fill="hold">
+                            <p:stCondLst>
+                              <p:cond delay="0"/>
+                            </p:stCondLst>
+                            <p:childTnLst>
+                              <p:par>
+                                <p:cTn id="5" presetID="1" presetClass="entr" presetSubtype="0" fill="hold" nodeType="clickEffect">
+                                  <p:stCondLst>
+                                    <p:cond delay="0"/>
+                                  </p:stCondLst>
+                                  <p:childTnLst>
+                                    <p:set>
+                                      <p:cBhvr>
+                                        <p:cTn id="6" dur="1" fill="hold">
+                                          <p:stCondLst>
+                                            <p:cond delay="0"/>
+                                          </p:stCondLst>
+                                        </p:cTn>
+                                        <p:tgtEl>
+                                          <p:spTgt spid="7"/>
+                                        </p:tgtEl>
+                                        <p:attrNameLst>
+                                          <p:attrName>style.visibility</p:attrName>
+                                        </p:attrNameLst>
+                                      </p:cBhvr>
+                                      <p:to>
+                                        <p:strVal val="visible"/>
+                                      </p:to>
+                                    </p:set>
+                                  </p:childTnLst>
+                                </p:cTn>
+                              </p:par>
+                            </p:childTnLst>
+                          </p:cTn>
+                        </p:par>
+                      </p:childTnLst>
+                    </p:cTn>
+                  </p:par>
+                </p:childTnLst>
+              </p:cTn>
+              <p:prevCondLst>
+                <p:cond evt="onPrev" delay="0">
+                  <p:tgtEl>
+                    <p:sldTgt/>
+                  </p:tgtEl>
+                </p:cond>
+              </p:prevCondLst>
+              <p:nextCondLst>
+                <p:cond evt="onNext" delay="0">
+                  <p:tgtEl>
+                    <p:sldTgt/>
+                  </p:tgtEl>
+                </p:cond>
+              </p:nextCondLst>
+            </p:seq>
+          </p:childTnLst>
+        </p:cTn>
+      </p:par>
+    </p:tnLst>
+  </p:timing>
+</p:sld>
+</file>
+
+<file path=ppt/slides/slide11.xml><?xml version="1.0" encoding="utf-8"?>
+<p:sld xmlns:a="http://schemas.openxmlformats.org/drawingml/2006/main" xmlns:r="http://schemas.openxmlformats.org/officeDocument/2006/relationships" xmlns:p="http://schemas.openxmlformats.org/presentationml/2006/main">
+  <p:cSld>
+    <p:spTree>
+      <p:nvGrpSpPr>
+        <p:cNvPr id="1" name=""/>
+        <p:cNvGrpSpPr/>
+        <p:nvPr/>
+      </p:nvGrpSpPr>
+      <p:grpSpPr>
+        <a:xfrm>
+          <a:off x="0" y="0"/>
+          <a:ext cx="0" cy="0"/>
+          <a:chOff x="0" y="0"/>
+          <a:chExt cx="0" cy="0"/>
+        </a:xfrm>
+      </p:grpSpPr>
+      <p:sp>
+        <p:nvSpPr>
+          <p:cNvPr id="10" name="כותרת 1">
+            <a:extLst>
+              <a:ext uri="{FF2B5EF4-FFF2-40B4-BE49-F238E27FC236}">
+                <a16:creationId xmlns:a16="http://schemas.microsoft.com/office/drawing/2014/main" id="{73B4565D-1CE1-4C01-9E9C-E590E8071E0D}"/>
+              </a:ext>
+            </a:extLst>
+          </p:cNvPr>
+          <p:cNvSpPr>
+            <a:spLocks noGrp="1"/>
+          </p:cNvSpPr>
+          <p:nvPr>
+            <p:ph type="title"/>
+          </p:nvPr>
+        </p:nvSpPr>
+        <p:spPr>
+          <a:xfrm>
+            <a:off x="767408" y="-315416"/>
+            <a:ext cx="10729192" cy="1233424"/>
+          </a:xfrm>
+        </p:spPr>
+        <p:txBody>
+          <a:bodyPr rtlCol="1"/>
+          <a:lstStyle/>
+          <a:p>
+            <a:pPr rtl="1"/>
+            <a:r>
+              <a:rPr lang="he-IL" dirty="0">
+                <a:latin typeface="Tahoma" panose="020B0604030504040204" pitchFamily="34" charset="0"/>
+                <a:ea typeface="Tahoma" panose="020B0604030504040204" pitchFamily="34" charset="0"/>
+                <a:cs typeface="Tahoma" panose="020B0604030504040204" pitchFamily="34" charset="0"/>
+              </a:rPr>
+              <a:t>נתכנן מחלקה המייצגת מאגר מים (</a:t>
+            </a:r>
+            <a:r>
+              <a:rPr lang="en-US" dirty="0" err="1">
+                <a:latin typeface="Tahoma" panose="020B0604030504040204" pitchFamily="34" charset="0"/>
+                <a:ea typeface="Tahoma" panose="020B0604030504040204" pitchFamily="34" charset="0"/>
+                <a:cs typeface="Tahoma" panose="020B0604030504040204" pitchFamily="34" charset="0"/>
+              </a:rPr>
+              <a:t>WaterReservoir</a:t>
+            </a:r>
+            <a:r>
+              <a:rPr lang="he-IL" dirty="0">
+                <a:latin typeface="Tahoma" panose="020B0604030504040204" pitchFamily="34" charset="0"/>
+                <a:ea typeface="Tahoma" panose="020B0604030504040204" pitchFamily="34" charset="0"/>
+                <a:cs typeface="Tahoma" panose="020B0604030504040204" pitchFamily="34" charset="0"/>
+              </a:rPr>
+              <a:t>)</a:t>
+            </a:r>
+          </a:p>
+        </p:txBody>
+      </p:sp>
+      <p:sp>
+        <p:nvSpPr>
+          <p:cNvPr id="4" name="מציין מיקום תוכן 2">
+            <a:extLst>
+              <a:ext uri="{FF2B5EF4-FFF2-40B4-BE49-F238E27FC236}">
+                <a16:creationId xmlns:a16="http://schemas.microsoft.com/office/drawing/2014/main" id="{2881ED75-A011-45A1-BD9B-32ED925A8D6A}"/>
+              </a:ext>
+            </a:extLst>
+          </p:cNvPr>
+          <p:cNvSpPr>
+            <a:spLocks noGrp="1"/>
+          </p:cNvSpPr>
+          <p:nvPr>
+            <p:ph idx="1"/>
+          </p:nvPr>
+        </p:nvSpPr>
+        <p:spPr>
+          <a:xfrm>
+            <a:off x="1341120" y="1901952"/>
+            <a:ext cx="9509760" cy="4127627"/>
+          </a:xfrm>
+        </p:spPr>
+        <p:txBody>
+          <a:bodyPr rtlCol="1">
+            <a:normAutofit/>
+          </a:bodyPr>
+          <a:lstStyle/>
+          <a:p>
+            <a:pPr algn="r"/>
+            <a:r>
+              <a:rPr lang="he-IL" dirty="0"/>
+              <a:t>חישוב נפח המקום הפנוי במאגר (ושאר הסיכומים מאוד דומים...):</a:t>
+            </a:r>
+            <a:endParaRPr lang="en-US" dirty="0"/>
+          </a:p>
+          <a:p>
+            <a:pPr algn="r"/>
+            <a:endParaRPr lang="he-IL" dirty="0">
+              <a:latin typeface="Tahoma" panose="020B0604030504040204" pitchFamily="34" charset="0"/>
+              <a:ea typeface="Tahoma" panose="020B0604030504040204" pitchFamily="34" charset="0"/>
+              <a:cs typeface="Tahoma" panose="020B0604030504040204" pitchFamily="34" charset="0"/>
+            </a:endParaRPr>
+          </a:p>
+        </p:txBody>
+      </p:sp>
+      <p:pic>
+        <p:nvPicPr>
+          <p:cNvPr id="5" name="Picture 4">
+            <a:extLst>
+              <a:ext uri="{FF2B5EF4-FFF2-40B4-BE49-F238E27FC236}">
+                <a16:creationId xmlns:a16="http://schemas.microsoft.com/office/drawing/2014/main" id="{BEC0D9FB-02F5-6569-061F-6FE8032ACE33}"/>
+              </a:ext>
+            </a:extLst>
+          </p:cNvPr>
+          <p:cNvPicPr>
+            <a:picLocks noChangeAspect="1"/>
+          </p:cNvPicPr>
+          <p:nvPr/>
+        </p:nvPicPr>
+        <p:blipFill>
+          <a:blip r:embed="rId3"/>
+          <a:stretch>
+            <a:fillRect/>
+          </a:stretch>
+        </p:blipFill>
+        <p:spPr>
+          <a:xfrm>
+            <a:off x="3215680" y="2708920"/>
+            <a:ext cx="5449060" cy="2219635"/>
+          </a:xfrm>
+          <a:prstGeom prst="rect">
+            <a:avLst/>
+          </a:prstGeom>
+        </p:spPr>
+      </p:pic>
+    </p:spTree>
+    <p:extLst>
+      <p:ext uri="{BB962C8B-B14F-4D97-AF65-F5344CB8AC3E}">
+        <p14:creationId xmlns:p14="http://schemas.microsoft.com/office/powerpoint/2010/main" val="4034881501"/>
+      </p:ext>
+    </p:extLst>
+  </p:cSld>
+  <p:clrMapOvr>
+    <a:masterClrMapping/>
+  </p:clrMapOvr>
+  <mc:AlternateContent xmlns:mc="http://schemas.openxmlformats.org/markup-compatibility/2006" xmlns:p14="http://schemas.microsoft.com/office/powerpoint/2010/main">
+    <mc:Choice Requires="p14">
+      <p:transition spd="med" p14:dur="700">
+        <p:fade/>
+      </p:transition>
+    </mc:Choice>
+    <mc:Fallback xmlns="">
       <p:transition spd="med">
         <p:fade/>
       </p:transition>
@@ -8561,7 +8972,7 @@
 </p:sld>
 </file>
 
-<file path=ppt/slides/slide11.xml><?xml version="1.0" encoding="utf-8"?>
+<file path=ppt/slides/slide12.xml><?xml version="1.0" encoding="utf-8"?>
 <p:sld xmlns:a="http://schemas.openxmlformats.org/drawingml/2006/main" xmlns:r="http://schemas.openxmlformats.org/officeDocument/2006/relationships" xmlns:p="http://schemas.openxmlformats.org/presentationml/2006/main">
   <p:cSld>
     <p:spTree>
@@ -8717,13 +9128,13 @@
   <p:clrMapOvr>
     <a:masterClrMapping/>
   </p:clrMapOvr>
-  <mc:AlternateContent xmlns:mc="http://schemas.openxmlformats.org/markup-compatibility/2006">
-    <mc:Choice xmlns:p14="http://schemas.microsoft.com/office/powerpoint/2010/main" Requires="p14">
+  <mc:AlternateContent xmlns:mc="http://schemas.openxmlformats.org/markup-compatibility/2006" xmlns:p14="http://schemas.microsoft.com/office/powerpoint/2010/main">
+    <mc:Choice Requires="p14">
       <p:transition spd="med" p14:dur="700">
         <p:fade/>
       </p:transition>
     </mc:Choice>
-    <mc:Fallback>
+    <mc:Fallback xmlns="">
       <p:transition spd="med">
         <p:fade/>
       </p:transition>
@@ -8807,252 +9218,6 @@
 </p:sld>
 </file>
 
-<file path=ppt/slides/slide12.xml><?xml version="1.0" encoding="utf-8"?>
-<p:sld xmlns:a="http://schemas.openxmlformats.org/drawingml/2006/main" xmlns:r="http://schemas.openxmlformats.org/officeDocument/2006/relationships" xmlns:p="http://schemas.openxmlformats.org/presentationml/2006/main">
-  <p:cSld>
-    <p:spTree>
-      <p:nvGrpSpPr>
-        <p:cNvPr id="1" name=""/>
-        <p:cNvGrpSpPr/>
-        <p:nvPr/>
-      </p:nvGrpSpPr>
-      <p:grpSpPr>
-        <a:xfrm>
-          <a:off x="0" y="0"/>
-          <a:ext cx="0" cy="0"/>
-          <a:chOff x="0" y="0"/>
-          <a:chExt cx="0" cy="0"/>
-        </a:xfrm>
-      </p:grpSpPr>
-      <p:sp>
-        <p:nvSpPr>
-          <p:cNvPr id="10" name="כותרת 1">
-            <a:extLst>
-              <a:ext uri="{FF2B5EF4-FFF2-40B4-BE49-F238E27FC236}">
-                <a16:creationId xmlns:a16="http://schemas.microsoft.com/office/drawing/2014/main" id="{73B4565D-1CE1-4C01-9E9C-E590E8071E0D}"/>
-              </a:ext>
-            </a:extLst>
-          </p:cNvPr>
-          <p:cNvSpPr>
-            <a:spLocks noGrp="1"/>
-          </p:cNvSpPr>
-          <p:nvPr>
-            <p:ph type="title"/>
-          </p:nvPr>
-        </p:nvSpPr>
-        <p:spPr>
-          <a:xfrm>
-            <a:off x="767408" y="-315416"/>
-            <a:ext cx="10729192" cy="1233424"/>
-          </a:xfrm>
-        </p:spPr>
-        <p:txBody>
-          <a:bodyPr rtlCol="1"/>
-          <a:lstStyle/>
-          <a:p>
-            <a:pPr rtl="1"/>
-            <a:r>
-              <a:rPr lang="he-IL" dirty="0">
-                <a:latin typeface="Tahoma" panose="020B0604030504040204" pitchFamily="34" charset="0"/>
-                <a:ea typeface="Tahoma" panose="020B0604030504040204" pitchFamily="34" charset="0"/>
-                <a:cs typeface="Tahoma" panose="020B0604030504040204" pitchFamily="34" charset="0"/>
-              </a:rPr>
-              <a:t>נתכנן מחלקה המייצגת מאגר מים (</a:t>
-            </a:r>
-            <a:r>
-              <a:rPr lang="en-US" dirty="0" err="1">
-                <a:latin typeface="Tahoma" panose="020B0604030504040204" pitchFamily="34" charset="0"/>
-                <a:ea typeface="Tahoma" panose="020B0604030504040204" pitchFamily="34" charset="0"/>
-                <a:cs typeface="Tahoma" panose="020B0604030504040204" pitchFamily="34" charset="0"/>
-              </a:rPr>
-              <a:t>WaterReservoir</a:t>
-            </a:r>
-            <a:r>
-              <a:rPr lang="he-IL" dirty="0">
-                <a:latin typeface="Tahoma" panose="020B0604030504040204" pitchFamily="34" charset="0"/>
-                <a:ea typeface="Tahoma" panose="020B0604030504040204" pitchFamily="34" charset="0"/>
-                <a:cs typeface="Tahoma" panose="020B0604030504040204" pitchFamily="34" charset="0"/>
-              </a:rPr>
-              <a:t>)</a:t>
-            </a:r>
-          </a:p>
-        </p:txBody>
-      </p:sp>
-      <p:sp>
-        <p:nvSpPr>
-          <p:cNvPr id="4" name="מציין מיקום תוכן 2">
-            <a:extLst>
-              <a:ext uri="{FF2B5EF4-FFF2-40B4-BE49-F238E27FC236}">
-                <a16:creationId xmlns:a16="http://schemas.microsoft.com/office/drawing/2014/main" id="{2881ED75-A011-45A1-BD9B-32ED925A8D6A}"/>
-              </a:ext>
-            </a:extLst>
-          </p:cNvPr>
-          <p:cNvSpPr>
-            <a:spLocks noGrp="1"/>
-          </p:cNvSpPr>
-          <p:nvPr>
-            <p:ph idx="1"/>
-          </p:nvPr>
-        </p:nvSpPr>
-        <p:spPr>
-          <a:xfrm>
-            <a:off x="1341120" y="1901952"/>
-            <a:ext cx="9509760" cy="4127627"/>
-          </a:xfrm>
-        </p:spPr>
-        <p:txBody>
-          <a:bodyPr rtlCol="1">
-            <a:normAutofit/>
-          </a:bodyPr>
-          <a:lstStyle/>
-          <a:p>
-            <a:pPr algn="r"/>
-            <a:r>
-              <a:rPr lang="he-IL" dirty="0"/>
-              <a:t>הוצאה מהמאגר של הדלי הריק ביותר:</a:t>
-            </a:r>
-            <a:endParaRPr lang="en-US" dirty="0"/>
-          </a:p>
-          <a:p>
-            <a:pPr algn="r"/>
-            <a:endParaRPr lang="he-IL" dirty="0">
-              <a:latin typeface="Tahoma" panose="020B0604030504040204" pitchFamily="34" charset="0"/>
-              <a:ea typeface="Tahoma" panose="020B0604030504040204" pitchFamily="34" charset="0"/>
-              <a:cs typeface="Tahoma" panose="020B0604030504040204" pitchFamily="34" charset="0"/>
-            </a:endParaRPr>
-          </a:p>
-        </p:txBody>
-      </p:sp>
-      <p:pic>
-        <p:nvPicPr>
-          <p:cNvPr id="7" name="Picture 6">
-            <a:extLst>
-              <a:ext uri="{FF2B5EF4-FFF2-40B4-BE49-F238E27FC236}">
-                <a16:creationId xmlns:a16="http://schemas.microsoft.com/office/drawing/2014/main" id="{A23F6215-3096-0D8F-63D0-AD56DBE70098}"/>
-              </a:ext>
-            </a:extLst>
-          </p:cNvPr>
-          <p:cNvPicPr>
-            <a:picLocks noChangeAspect="1"/>
-          </p:cNvPicPr>
-          <p:nvPr/>
-        </p:nvPicPr>
-        <p:blipFill>
-          <a:blip r:embed="rId3"/>
-          <a:stretch>
-            <a:fillRect/>
-          </a:stretch>
-        </p:blipFill>
-        <p:spPr>
-          <a:xfrm>
-            <a:off x="1559496" y="1484784"/>
-            <a:ext cx="3971707" cy="4797152"/>
-          </a:xfrm>
-          <a:prstGeom prst="rect">
-            <a:avLst/>
-          </a:prstGeom>
-        </p:spPr>
-      </p:pic>
-    </p:spTree>
-    <p:extLst>
-      <p:ext uri="{BB962C8B-B14F-4D97-AF65-F5344CB8AC3E}">
-        <p14:creationId xmlns:p14="http://schemas.microsoft.com/office/powerpoint/2010/main" val="679116491"/>
-      </p:ext>
-    </p:extLst>
-  </p:cSld>
-  <p:clrMapOvr>
-    <a:masterClrMapping/>
-  </p:clrMapOvr>
-  <mc:AlternateContent xmlns:mc="http://schemas.openxmlformats.org/markup-compatibility/2006">
-    <mc:Choice xmlns:p14="http://schemas.microsoft.com/office/powerpoint/2010/main" Requires="p14">
-      <p:transition spd="med" p14:dur="700">
-        <p:fade/>
-      </p:transition>
-    </mc:Choice>
-    <mc:Fallback>
-      <p:transition spd="med">
-        <p:fade/>
-      </p:transition>
-    </mc:Fallback>
-  </mc:AlternateContent>
-  <p:timing>
-    <p:tnLst>
-      <p:par>
-        <p:cTn id="1" dur="indefinite" restart="never" nodeType="tmRoot">
-          <p:childTnLst>
-            <p:seq concurrent="1" nextAc="seek">
-              <p:cTn id="2" dur="indefinite" nodeType="mainSeq">
-                <p:childTnLst>
-                  <p:par>
-                    <p:cTn id="3" fill="hold">
-                      <p:stCondLst>
-                        <p:cond delay="indefinite"/>
-                      </p:stCondLst>
-                      <p:childTnLst>
-                        <p:par>
-                          <p:cTn id="4" fill="hold">
-                            <p:stCondLst>
-                              <p:cond delay="0"/>
-                            </p:stCondLst>
-                            <p:childTnLst>
-                              <p:par>
-                                <p:cTn id="5" presetID="1" presetClass="entr" presetSubtype="0" fill="hold" nodeType="clickEffect">
-                                  <p:stCondLst>
-                                    <p:cond delay="0"/>
-                                  </p:stCondLst>
-                                  <p:childTnLst>
-                                    <p:set>
-                                      <p:cBhvr>
-                                        <p:cTn id="6" dur="1" fill="hold">
-                                          <p:stCondLst>
-                                            <p:cond delay="0"/>
-                                          </p:stCondLst>
-                                        </p:cTn>
-                                        <p:tgtEl>
-                                          <p:spTgt spid="7"/>
-                                        </p:tgtEl>
-                                        <p:attrNameLst>
-                                          <p:attrName>style.visibility</p:attrName>
-                                        </p:attrNameLst>
-                                      </p:cBhvr>
-                                      <p:to>
-                                        <p:strVal val="visible"/>
-                                      </p:to>
-                                    </p:set>
-                                  </p:childTnLst>
-                                </p:cTn>
-                              </p:par>
-                            </p:childTnLst>
-                          </p:cTn>
-                        </p:par>
-                      </p:childTnLst>
-                    </p:cTn>
-                  </p:par>
-                </p:childTnLst>
-              </p:cTn>
-              <p:prevCondLst>
-                <p:cond evt="onPrev" delay="0">
-                  <p:tgtEl>
-                    <p:sldTgt/>
-                  </p:tgtEl>
-                </p:cond>
-              </p:prevCondLst>
-              <p:nextCondLst>
-                <p:cond evt="onNext" delay="0">
-                  <p:tgtEl>
-                    <p:sldTgt/>
-                  </p:tgtEl>
-                </p:cond>
-              </p:nextCondLst>
-            </p:seq>
-          </p:childTnLst>
-        </p:cTn>
-      </p:par>
-    </p:tnLst>
-  </p:timing>
-</p:sld>
-</file>
-
 <file path=ppt/slides/slide13.xml><?xml version="1.0" encoding="utf-8"?>
 <p:sld xmlns:a="http://schemas.openxmlformats.org/drawingml/2006/main" xmlns:r="http://schemas.openxmlformats.org/officeDocument/2006/relationships" xmlns:p="http://schemas.openxmlformats.org/presentationml/2006/main">
   <p:cSld>
@@ -9155,7 +9320,7 @@
             <a:pPr algn="r"/>
             <a:r>
               <a:rPr lang="he-IL" dirty="0"/>
-              <a:t>חישוב נפח המקום הפנוי במאגר (ושאר הסיכומים מאוד דומים...):</a:t>
+              <a:t>הוספת דלי קיים למאגר:</a:t>
             </a:r>
             <a:endParaRPr lang="en-US" dirty="0"/>
           </a:p>
@@ -9174,7 +9339,7 @@
           <p:cNvPr id="5" name="Picture 4">
             <a:extLst>
               <a:ext uri="{FF2B5EF4-FFF2-40B4-BE49-F238E27FC236}">
-                <a16:creationId xmlns:a16="http://schemas.microsoft.com/office/drawing/2014/main" id="{BEC0D9FB-02F5-6569-061F-6FE8032ACE33}"/>
+                <a16:creationId xmlns:a16="http://schemas.microsoft.com/office/drawing/2014/main" id="{894C18E9-E8A3-1EE3-EC0B-3928C90946AD}"/>
               </a:ext>
             </a:extLst>
           </p:cNvPr>
@@ -9191,8 +9356,8 @@
         </p:blipFill>
         <p:spPr>
           <a:xfrm>
-            <a:off x="3215680" y="2708920"/>
-            <a:ext cx="5449060" cy="2219635"/>
+            <a:off x="3143672" y="2420888"/>
+            <a:ext cx="5439534" cy="2791215"/>
           </a:xfrm>
           <a:prstGeom prst="rect">
             <a:avLst/>
@@ -9202,20 +9367,20 @@
     </p:spTree>
     <p:extLst>
       <p:ext uri="{BB962C8B-B14F-4D97-AF65-F5344CB8AC3E}">
-        <p14:creationId xmlns:p14="http://schemas.microsoft.com/office/powerpoint/2010/main" val="4034881501"/>
+        <p14:creationId xmlns:p14="http://schemas.microsoft.com/office/powerpoint/2010/main" val="1964514488"/>
       </p:ext>
     </p:extLst>
   </p:cSld>
   <p:clrMapOvr>
     <a:masterClrMapping/>
   </p:clrMapOvr>
-  <mc:AlternateContent xmlns:mc="http://schemas.openxmlformats.org/markup-compatibility/2006">
-    <mc:Choice xmlns:p14="http://schemas.microsoft.com/office/powerpoint/2010/main" Requires="p14">
+  <mc:AlternateContent xmlns:mc="http://schemas.openxmlformats.org/markup-compatibility/2006" xmlns:p14="http://schemas.microsoft.com/office/powerpoint/2010/main">
+    <mc:Choice Requires="p14">
       <p:transition spd="med" p14:dur="700">
         <p:fade/>
       </p:transition>
     </mc:Choice>
-    <mc:Fallback>
+    <mc:Fallback xmlns="">
       <p:transition spd="med">
         <p:fade/>
       </p:transition>
@@ -9479,13 +9644,13 @@
   <p:clrMapOvr>
     <a:masterClrMapping/>
   </p:clrMapOvr>
-  <mc:AlternateContent xmlns:mc="http://schemas.openxmlformats.org/markup-compatibility/2006">
-    <mc:Choice xmlns:p14="http://schemas.microsoft.com/office/powerpoint/2010/main" Requires="p14">
+  <mc:AlternateContent xmlns:mc="http://schemas.openxmlformats.org/markup-compatibility/2006" xmlns:p14="http://schemas.microsoft.com/office/powerpoint/2010/main">
+    <mc:Choice Requires="p14">
       <p:transition spd="med" p14:dur="700">
         <p:fade/>
       </p:transition>
     </mc:Choice>
-    <mc:Fallback>
+    <mc:Fallback xmlns="">
       <p:transition spd="med">
         <p:fade/>
       </p:transition>
@@ -9648,8 +9813,8 @@
           </a:prstGeom>
         </p:spPr>
       </p:pic>
-      <mc:AlternateContent xmlns:mc="http://schemas.openxmlformats.org/markup-compatibility/2006">
-        <mc:Choice xmlns:p14="http://schemas.microsoft.com/office/powerpoint/2010/main" Requires="p14">
+      <mc:AlternateContent xmlns:mc="http://schemas.openxmlformats.org/markup-compatibility/2006" xmlns:p14="http://schemas.microsoft.com/office/powerpoint/2010/main">
+        <mc:Choice Requires="p14">
           <p:contentPart p14:bwMode="auto" r:id="rId4">
             <p14:nvContentPartPr>
               <p14:cNvPr id="6" name="Ink 5">
@@ -9668,7 +9833,7 @@
             </p14:xfrm>
           </p:contentPart>
         </mc:Choice>
-        <mc:Fallback>
+        <mc:Fallback xmlns="">
           <p:pic>
             <p:nvPicPr>
               <p:cNvPr id="6" name="Ink 5">
@@ -9709,13 +9874,13 @@
   <p:clrMapOvr>
     <a:masterClrMapping/>
   </p:clrMapOvr>
-  <mc:AlternateContent xmlns:mc="http://schemas.openxmlformats.org/markup-compatibility/2006">
-    <mc:Choice xmlns:p14="http://schemas.microsoft.com/office/powerpoint/2010/main" Requires="p14">
+  <mc:AlternateContent xmlns:mc="http://schemas.openxmlformats.org/markup-compatibility/2006" xmlns:p14="http://schemas.microsoft.com/office/powerpoint/2010/main">
+    <mc:Choice Requires="p14">
       <p:transition spd="med" p14:dur="700">
         <p:fade/>
       </p:transition>
     </mc:Choice>
-    <mc:Fallback>
+    <mc:Fallback xmlns="">
       <p:transition spd="med">
         <p:fade/>
       </p:transition>
@@ -10000,13 +10165,13 @@
   <p:clrMapOvr>
     <a:masterClrMapping/>
   </p:clrMapOvr>
-  <mc:AlternateContent xmlns:mc="http://schemas.openxmlformats.org/markup-compatibility/2006">
-    <mc:Choice xmlns:p14="http://schemas.microsoft.com/office/powerpoint/2010/main" Requires="p14">
+  <mc:AlternateContent xmlns:mc="http://schemas.openxmlformats.org/markup-compatibility/2006" xmlns:p14="http://schemas.microsoft.com/office/powerpoint/2010/main">
+    <mc:Choice Requires="p14">
       <p:transition spd="med" p14:dur="700">
         <p:fade/>
       </p:transition>
     </mc:Choice>
-    <mc:Fallback>
+    <mc:Fallback xmlns="">
       <p:transition spd="med">
         <p:fade/>
       </p:transition>
@@ -10254,13 +10419,13 @@
   <p:clrMapOvr>
     <a:masterClrMapping/>
   </p:clrMapOvr>
-  <mc:AlternateContent xmlns:mc="http://schemas.openxmlformats.org/markup-compatibility/2006">
-    <mc:Choice xmlns:p14="http://schemas.microsoft.com/office/powerpoint/2010/main" Requires="p14">
+  <mc:AlternateContent xmlns:mc="http://schemas.openxmlformats.org/markup-compatibility/2006" xmlns:p14="http://schemas.microsoft.com/office/powerpoint/2010/main">
+    <mc:Choice Requires="p14">
       <p:transition spd="med" p14:dur="700">
         <p:fade/>
       </p:transition>
     </mc:Choice>
-    <mc:Fallback>
+    <mc:Fallback xmlns="">
       <p:transition spd="med">
         <p:fade/>
       </p:transition>
@@ -10433,13 +10598,13 @@
   <p:clrMapOvr>
     <a:masterClrMapping/>
   </p:clrMapOvr>
-  <mc:AlternateContent xmlns:mc="http://schemas.openxmlformats.org/markup-compatibility/2006">
-    <mc:Choice xmlns:p14="http://schemas.microsoft.com/office/powerpoint/2010/main" Requires="p14">
+  <mc:AlternateContent xmlns:mc="http://schemas.openxmlformats.org/markup-compatibility/2006" xmlns:p14="http://schemas.microsoft.com/office/powerpoint/2010/main">
+    <mc:Choice Requires="p14">
       <p:transition spd="med" p14:dur="700">
         <p:fade/>
       </p:transition>
     </mc:Choice>
-    <mc:Fallback>
+    <mc:Fallback xmlns="">
       <p:transition spd="med">
         <p:fade/>
       </p:transition>
@@ -10679,13 +10844,13 @@
   <p:clrMapOvr>
     <a:masterClrMapping/>
   </p:clrMapOvr>
-  <mc:AlternateContent xmlns:mc="http://schemas.openxmlformats.org/markup-compatibility/2006">
-    <mc:Choice xmlns:p14="http://schemas.microsoft.com/office/powerpoint/2010/main" Requires="p14">
+  <mc:AlternateContent xmlns:mc="http://schemas.openxmlformats.org/markup-compatibility/2006" xmlns:p14="http://schemas.microsoft.com/office/powerpoint/2010/main">
+    <mc:Choice Requires="p14">
       <p:transition spd="med" p14:dur="700">
         <p:fade/>
       </p:transition>
     </mc:Choice>
-    <mc:Fallback>
+    <mc:Fallback xmlns="">
       <p:transition spd="med">
         <p:fade/>
       </p:transition>
@@ -11004,13 +11169,13 @@
   <p:clrMapOvr>
     <a:masterClrMapping/>
   </p:clrMapOvr>
-  <mc:AlternateContent xmlns:mc="http://schemas.openxmlformats.org/markup-compatibility/2006">
-    <mc:Choice xmlns:p14="http://schemas.microsoft.com/office/powerpoint/2010/main" Requires="p14">
+  <mc:AlternateContent xmlns:mc="http://schemas.openxmlformats.org/markup-compatibility/2006" xmlns:p14="http://schemas.microsoft.com/office/powerpoint/2010/main">
+    <mc:Choice Requires="p14">
       <p:transition spd="med" p14:dur="700">
         <p:fade/>
       </p:transition>
     </mc:Choice>
-    <mc:Fallback>
+    <mc:Fallback xmlns="">
       <p:transition spd="med">
         <p:fade/>
       </p:transition>
@@ -11114,13 +11279,13 @@
   <p:clrMapOvr>
     <a:masterClrMapping/>
   </p:clrMapOvr>
-  <mc:AlternateContent xmlns:mc="http://schemas.openxmlformats.org/markup-compatibility/2006">
-    <mc:Choice xmlns:p14="http://schemas.microsoft.com/office/powerpoint/2010/main" Requires="p14">
+  <mc:AlternateContent xmlns:mc="http://schemas.openxmlformats.org/markup-compatibility/2006" xmlns:p14="http://schemas.microsoft.com/office/powerpoint/2010/main">
+    <mc:Choice Requires="p14">
       <p:transition spd="med" p14:dur="700">
         <p:fade/>
       </p:transition>
     </mc:Choice>
-    <mc:Fallback>
+    <mc:Fallback xmlns="">
       <p:transition spd="med">
         <p:fade/>
       </p:transition>
@@ -11223,6 +11388,238 @@
       </p:grpSpPr>
       <p:sp>
         <p:nvSpPr>
+          <p:cNvPr id="10" name="כותרת 1">
+            <a:extLst>
+              <a:ext uri="{FF2B5EF4-FFF2-40B4-BE49-F238E27FC236}">
+                <a16:creationId xmlns:a16="http://schemas.microsoft.com/office/drawing/2014/main" id="{73B4565D-1CE1-4C01-9E9C-E590E8071E0D}"/>
+              </a:ext>
+            </a:extLst>
+          </p:cNvPr>
+          <p:cNvSpPr>
+            <a:spLocks noGrp="1"/>
+          </p:cNvSpPr>
+          <p:nvPr>
+            <p:ph type="title"/>
+          </p:nvPr>
+        </p:nvSpPr>
+        <p:spPr>
+          <a:xfrm>
+            <a:off x="767408" y="-315416"/>
+            <a:ext cx="10729192" cy="1233424"/>
+          </a:xfrm>
+        </p:spPr>
+        <p:txBody>
+          <a:bodyPr rtlCol="1"/>
+          <a:lstStyle/>
+          <a:p>
+            <a:pPr rtl="1"/>
+            <a:r>
+              <a:rPr lang="he-IL" dirty="0"/>
+              <a:t>היחס בין מחלקת </a:t>
+            </a:r>
+            <a:r>
+              <a:rPr lang="en-US" dirty="0"/>
+              <a:t>Bucket</a:t>
+            </a:r>
+            <a:r>
+              <a:rPr lang="he-IL" dirty="0"/>
+              <a:t> ומחלקת </a:t>
+            </a:r>
+            <a:r>
+              <a:rPr lang="en-US" dirty="0" err="1"/>
+              <a:t>WaterResrvoir</a:t>
+            </a:r>
+            <a:endParaRPr lang="he-IL" dirty="0">
+              <a:latin typeface="Tahoma" panose="020B0604030504040204" pitchFamily="34" charset="0"/>
+              <a:ea typeface="Tahoma" panose="020B0604030504040204" pitchFamily="34" charset="0"/>
+              <a:cs typeface="Tahoma" panose="020B0604030504040204" pitchFamily="34" charset="0"/>
+            </a:endParaRPr>
+          </a:p>
+        </p:txBody>
+      </p:sp>
+      <p:pic>
+        <p:nvPicPr>
+          <p:cNvPr id="8" name="Picture 7">
+            <a:extLst>
+              <a:ext uri="{FF2B5EF4-FFF2-40B4-BE49-F238E27FC236}">
+                <a16:creationId xmlns:a16="http://schemas.microsoft.com/office/drawing/2014/main" id="{E6B456D7-ECE9-EA03-8327-8EA226BADEFE}"/>
+              </a:ext>
+            </a:extLst>
+          </p:cNvPr>
+          <p:cNvPicPr>
+            <a:picLocks noChangeAspect="1"/>
+          </p:cNvPicPr>
+          <p:nvPr/>
+        </p:nvPicPr>
+        <p:blipFill>
+          <a:blip r:embed="rId3"/>
+          <a:stretch>
+            <a:fillRect/>
+          </a:stretch>
+        </p:blipFill>
+        <p:spPr>
+          <a:xfrm>
+            <a:off x="1199456" y="1484784"/>
+            <a:ext cx="4686394" cy="4190187"/>
+          </a:xfrm>
+          <a:prstGeom prst="rect">
+            <a:avLst/>
+          </a:prstGeom>
+        </p:spPr>
+      </p:pic>
+      <p:pic>
+        <p:nvPicPr>
+          <p:cNvPr id="9" name="תמונה 10">
+            <a:extLst>
+              <a:ext uri="{FF2B5EF4-FFF2-40B4-BE49-F238E27FC236}">
+                <a16:creationId xmlns:a16="http://schemas.microsoft.com/office/drawing/2014/main" id="{E21441FD-73C9-5858-6FDA-10695F26C924}"/>
+              </a:ext>
+            </a:extLst>
+          </p:cNvPr>
+          <p:cNvPicPr>
+            <a:picLocks noChangeAspect="1"/>
+          </p:cNvPicPr>
+          <p:nvPr/>
+        </p:nvPicPr>
+        <p:blipFill>
+          <a:blip r:embed="rId4"/>
+          <a:stretch>
+            <a:fillRect/>
+          </a:stretch>
+        </p:blipFill>
+        <p:spPr>
+          <a:xfrm>
+            <a:off x="8040216" y="1459797"/>
+            <a:ext cx="3410996" cy="4838293"/>
+          </a:xfrm>
+          <a:prstGeom prst="rect">
+            <a:avLst/>
+          </a:prstGeom>
+          <a:noFill/>
+        </p:spPr>
+      </p:pic>
+      <p:cxnSp>
+        <p:nvCxnSpPr>
+          <p:cNvPr id="12" name="Straight Arrow Connector 11">
+            <a:extLst>
+              <a:ext uri="{FF2B5EF4-FFF2-40B4-BE49-F238E27FC236}">
+                <a16:creationId xmlns:a16="http://schemas.microsoft.com/office/drawing/2014/main" id="{E38394F1-1825-563E-6432-2B2AFC14F8AC}"/>
+              </a:ext>
+            </a:extLst>
+          </p:cNvPr>
+          <p:cNvCxnSpPr>
+            <a:stCxn id="8" idx="3"/>
+          </p:cNvCxnSpPr>
+          <p:nvPr/>
+        </p:nvCxnSpPr>
+        <p:spPr>
+          <a:xfrm flipV="1">
+            <a:off x="5885850" y="3579877"/>
+            <a:ext cx="2154366" cy="1"/>
+          </a:xfrm>
+          <a:prstGeom prst="straightConnector1">
+            <a:avLst/>
+          </a:prstGeom>
+          <a:ln w="50800">
+            <a:headEnd type="diamond"/>
+            <a:tailEnd type="triangle"/>
+          </a:ln>
+        </p:spPr>
+        <p:style>
+          <a:lnRef idx="1">
+            <a:schemeClr val="accent1"/>
+          </a:lnRef>
+          <a:fillRef idx="0">
+            <a:schemeClr val="accent1"/>
+          </a:fillRef>
+          <a:effectRef idx="0">
+            <a:schemeClr val="accent1"/>
+          </a:effectRef>
+          <a:fontRef idx="minor">
+            <a:schemeClr val="tx1"/>
+          </a:fontRef>
+        </p:style>
+      </p:cxnSp>
+      <p:sp>
+        <p:nvSpPr>
+          <p:cNvPr id="13" name="TextBox 12">
+            <a:extLst>
+              <a:ext uri="{FF2B5EF4-FFF2-40B4-BE49-F238E27FC236}">
+                <a16:creationId xmlns:a16="http://schemas.microsoft.com/office/drawing/2014/main" id="{02A6196E-D8C4-BAB0-BA98-5D45BF7A3B9B}"/>
+              </a:ext>
+            </a:extLst>
+          </p:cNvPr>
+          <p:cNvSpPr txBox="1"/>
+          <p:nvPr/>
+        </p:nvSpPr>
+        <p:spPr>
+          <a:xfrm>
+            <a:off x="6023993" y="3140968"/>
+            <a:ext cx="1440160" cy="369332"/>
+          </a:xfrm>
+          <a:prstGeom prst="rect">
+            <a:avLst/>
+          </a:prstGeom>
+          <a:noFill/>
+        </p:spPr>
+        <p:txBody>
+          <a:bodyPr wrap="square" rtlCol="0">
+            <a:spAutoFit/>
+          </a:bodyPr>
+          <a:lstStyle/>
+          <a:p>
+            <a:r>
+              <a:rPr lang="he-IL" dirty="0"/>
+              <a:t>יחס הכלה</a:t>
+            </a:r>
+            <a:endParaRPr lang="en-IL" dirty="0"/>
+          </a:p>
+        </p:txBody>
+      </p:sp>
+    </p:spTree>
+    <p:extLst>
+      <p:ext uri="{BB962C8B-B14F-4D97-AF65-F5344CB8AC3E}">
+        <p14:creationId xmlns:p14="http://schemas.microsoft.com/office/powerpoint/2010/main" val="2148541398"/>
+      </p:ext>
+    </p:extLst>
+  </p:cSld>
+  <p:clrMapOvr>
+    <a:masterClrMapping/>
+  </p:clrMapOvr>
+  <mc:AlternateContent xmlns:mc="http://schemas.openxmlformats.org/markup-compatibility/2006">
+    <mc:Choice xmlns:p14="http://schemas.microsoft.com/office/powerpoint/2010/main" Requires="p14">
+      <p:transition spd="med" p14:dur="700">
+        <p:fade/>
+      </p:transition>
+    </mc:Choice>
+    <mc:Fallback>
+      <p:transition spd="med">
+        <p:fade/>
+      </p:transition>
+    </mc:Fallback>
+  </mc:AlternateContent>
+</p:sld>
+</file>
+
+<file path=ppt/slides/slide23.xml><?xml version="1.0" encoding="utf-8"?>
+<p:sld xmlns:a="http://schemas.openxmlformats.org/drawingml/2006/main" xmlns:r="http://schemas.openxmlformats.org/officeDocument/2006/relationships" xmlns:p="http://schemas.openxmlformats.org/presentationml/2006/main">
+  <p:cSld>
+    <p:spTree>
+      <p:nvGrpSpPr>
+        <p:cNvPr id="1" name=""/>
+        <p:cNvGrpSpPr/>
+        <p:nvPr/>
+      </p:nvGrpSpPr>
+      <p:grpSpPr>
+        <a:xfrm>
+          <a:off x="0" y="0"/>
+          <a:ext cx="0" cy="0"/>
+          <a:chOff x="0" y="0"/>
+          <a:chExt cx="0" cy="0"/>
+        </a:xfrm>
+      </p:grpSpPr>
+      <p:sp>
+        <p:nvSpPr>
           <p:cNvPr id="2" name="כותרת 1"/>
           <p:cNvSpPr>
             <a:spLocks noGrp="1"/>
@@ -11592,13 +11989,13 @@
   <p:clrMapOvr>
     <a:masterClrMapping/>
   </p:clrMapOvr>
-  <mc:AlternateContent xmlns:mc="http://schemas.openxmlformats.org/markup-compatibility/2006">
-    <mc:Choice xmlns:p14="http://schemas.microsoft.com/office/powerpoint/2010/main" Requires="p14">
+  <mc:AlternateContent xmlns:mc="http://schemas.openxmlformats.org/markup-compatibility/2006" xmlns:p14="http://schemas.microsoft.com/office/powerpoint/2010/main">
+    <mc:Choice Requires="p14">
       <p:transition spd="med" p14:dur="700">
         <p:fade/>
       </p:transition>
     </mc:Choice>
-    <mc:Fallback>
+    <mc:Fallback xmlns="">
       <p:transition spd="med">
         <p:fade/>
       </p:transition>
@@ -11928,13 +12325,13 @@
   <p:clrMapOvr>
     <a:masterClrMapping/>
   </p:clrMapOvr>
-  <mc:AlternateContent xmlns:mc="http://schemas.openxmlformats.org/markup-compatibility/2006">
-    <mc:Choice xmlns:p14="http://schemas.microsoft.com/office/powerpoint/2010/main" Requires="p14">
+  <mc:AlternateContent xmlns:mc="http://schemas.openxmlformats.org/markup-compatibility/2006" xmlns:p14="http://schemas.microsoft.com/office/powerpoint/2010/main">
+    <mc:Choice Requires="p14">
       <p:transition spd="med" p14:dur="700">
         <p:fade/>
       </p:transition>
     </mc:Choice>
-    <mc:Fallback>
+    <mc:Fallback xmlns="">
       <p:transition spd="med">
         <p:fade/>
       </p:transition>
@@ -12116,13 +12513,13 @@
   <p:clrMapOvr>
     <a:masterClrMapping/>
   </p:clrMapOvr>
-  <mc:AlternateContent xmlns:mc="http://schemas.openxmlformats.org/markup-compatibility/2006">
-    <mc:Choice xmlns:p14="http://schemas.microsoft.com/office/powerpoint/2010/main" Requires="p14">
+  <mc:AlternateContent xmlns:mc="http://schemas.openxmlformats.org/markup-compatibility/2006" xmlns:p14="http://schemas.microsoft.com/office/powerpoint/2010/main">
+    <mc:Choice Requires="p14">
       <p:transition spd="med" p14:dur="700">
         <p:fade/>
       </p:transition>
     </mc:Choice>
-    <mc:Fallback>
+    <mc:Fallback xmlns="">
       <p:transition spd="med">
         <p:fade/>
       </p:transition>
@@ -12428,13 +12825,13 @@
   <p:clrMapOvr>
     <a:masterClrMapping/>
   </p:clrMapOvr>
-  <mc:AlternateContent xmlns:mc="http://schemas.openxmlformats.org/markup-compatibility/2006">
-    <mc:Choice xmlns:p14="http://schemas.microsoft.com/office/powerpoint/2010/main" Requires="p14">
+  <mc:AlternateContent xmlns:mc="http://schemas.openxmlformats.org/markup-compatibility/2006" xmlns:p14="http://schemas.microsoft.com/office/powerpoint/2010/main">
+    <mc:Choice Requires="p14">
       <p:transition spd="med" p14:dur="700">
         <p:fade/>
       </p:transition>
     </mc:Choice>
-    <mc:Fallback>
+    <mc:Fallback xmlns="">
       <p:transition spd="med">
         <p:fade/>
       </p:transition>
